--- a/JP/JPL01_slide_FD.pptx
+++ b/JP/JPL01_slide_FD.pptx
@@ -239,7 +239,7 @@
           <a:p>
             <a:fld id="{9C4CBB43-E31D-44A0-A53C-703516A088F9}" type="datetimeFigureOut">
               <a:rPr kumimoji="1" lang="ja-JP" altLang="en-US" smtClean="0"/>
-              <a:t>2025/8/12</a:t>
+              <a:t>2025/8/21</a:t>
             </a:fld>
             <a:endParaRPr kumimoji="1" lang="ja-JP" altLang="en-US"/>
           </a:p>
@@ -417,7 +417,7 @@
           <a:p>
             <a:fld id="{0F5249E7-E526-41BC-878D-DBB27AF3BCB6}" type="datetimeFigureOut">
               <a:rPr kumimoji="1" lang="ja-JP" altLang="en-US" smtClean="0"/>
-              <a:t>2025/8/12</a:t>
+              <a:t>2025/8/21</a:t>
             </a:fld>
             <a:endParaRPr kumimoji="1" lang="ja-JP" altLang="en-US"/>
           </a:p>
@@ -4030,6 +4030,12 @@
             <a:pPr marL="0" indent="0">
               <a:buNone/>
             </a:pPr>
+            <a:r>
+              <a:rPr kumimoji="1" lang="en-US" altLang="ja-JP" sz="2000" dirty="0">
+                <a:hlinkClick r:id="rId2"/>
+              </a:rPr>
+              <a:t>@hojicya_study</a:t>
+            </a:r>
             <a:endParaRPr kumimoji="1" lang="ja-JP" altLang="en-US" sz="2000" dirty="0"/>
           </a:p>
         </p:txBody>
@@ -4066,7 +4072,10 @@
             <a:pPr marL="0" indent="0">
               <a:buNone/>
             </a:pPr>
-            <a:endParaRPr kumimoji="1" lang="ja-JP" altLang="en-US" sz="2000" dirty="0"/>
+            <a:r>
+              <a:rPr kumimoji="1" lang="ja-JP" altLang="en-US" sz="2000" dirty="0"/>
+              <a:t>ほうじ茶</a:t>
+            </a:r>
           </a:p>
         </p:txBody>
       </p:sp>
@@ -4113,10 +4122,14 @@
         </p:nvSpPr>
         <p:spPr/>
         <p:txBody>
-          <a:bodyPr/>
+          <a:bodyPr anchor="ctr"/>
           <a:lstStyle/>
           <a:p>
-            <a:endParaRPr lang="ja-JP" altLang="en-US"/>
+            <a:r>
+              <a:rPr lang="en-US" altLang="ja-JP" dirty="0"/>
+              <a:t>Yr. 2025</a:t>
+            </a:r>
+            <a:endParaRPr lang="ja-JP" altLang="en-US" dirty="0"/>
           </a:p>
         </p:txBody>
       </p:sp>
@@ -4271,7 +4284,7 @@
               <a:rPr lang="en-US" altLang="ja-JP" dirty="0">
                 <a:hlinkClick r:id="rId2"/>
               </a:rPr>
-              <a:t>https://illustcenter.com/2021/12/21/rdesign_8759</a:t>
+              <a:t>illustcenter.com/2021/12/21/rdesign_8759</a:t>
             </a:r>
             <a:endParaRPr lang="ja-JP" altLang="en-US" dirty="0"/>
           </a:p>
@@ -5639,7 +5652,7 @@
               <a:rPr lang="en-US" altLang="ja-JP" dirty="0">
                 <a:hlinkClick r:id="rId3"/>
               </a:rPr>
-              <a:t>https://illustcenter.com/2021/12/21/rdesign_8762</a:t>
+              <a:t>illustcenter.com/2021/12/21/rdesign_8762</a:t>
             </a:r>
             <a:endParaRPr lang="ja-JP" altLang="en-US" dirty="0"/>
           </a:p>
@@ -7180,6 +7193,53 @@
           <a:chExt cx="0" cy="0"/>
         </a:xfrm>
       </p:grpSpPr>
+      <p:pic>
+        <p:nvPicPr>
+          <p:cNvPr id="2050" name="Picture 2">
+            <a:extLst>
+              <a:ext uri="{FF2B5EF4-FFF2-40B4-BE49-F238E27FC236}">
+                <a16:creationId xmlns:a16="http://schemas.microsoft.com/office/drawing/2014/main" id="{398B2CB5-F1D5-CA1C-F3CC-B951A75F9E2B}"/>
+              </a:ext>
+            </a:extLst>
+          </p:cNvPr>
+          <p:cNvPicPr>
+            <a:picLocks noChangeAspect="1" noChangeArrowheads="1"/>
+          </p:cNvPicPr>
+          <p:nvPr/>
+        </p:nvPicPr>
+        <p:blipFill rotWithShape="1">
+          <a:blip r:embed="rId2">
+            <a:extLst>
+              <a:ext uri="{28A0092B-C50C-407E-A947-70E740481C1C}">
+                <a14:useLocalDpi xmlns:a14="http://schemas.microsoft.com/office/drawing/2010/main" val="0"/>
+              </a:ext>
+            </a:extLst>
+          </a:blip>
+          <a:srcRect b="4476"/>
+          <a:stretch>
+            <a:fillRect/>
+          </a:stretch>
+        </p:blipFill>
+        <p:spPr bwMode="auto">
+          <a:xfrm>
+            <a:off x="5126316" y="604570"/>
+            <a:ext cx="4199509" cy="5636818"/>
+          </a:xfrm>
+          <a:prstGeom prst="rect">
+            <a:avLst/>
+          </a:prstGeom>
+          <a:noFill/>
+          <a:extLst>
+            <a:ext uri="{909E8E84-426E-40DD-AFC4-6F175D3DCCD1}">
+              <a14:hiddenFill xmlns:a14="http://schemas.microsoft.com/office/drawing/2010/main">
+                <a:solidFill>
+                  <a:srgbClr val="FFFFFF"/>
+                </a:solidFill>
+              </a14:hiddenFill>
+            </a:ext>
+          </a:extLst>
+        </p:spPr>
+      </p:pic>
       <p:sp>
         <p:nvSpPr>
           <p:cNvPr id="3" name="タイトル 2">
@@ -7238,41 +7298,6 @@
           </a:p>
         </p:txBody>
       </p:sp>
-      <p:pic>
-        <p:nvPicPr>
-          <p:cNvPr id="8" name="図 7">
-            <a:extLst>
-              <a:ext uri="{FF2B5EF4-FFF2-40B4-BE49-F238E27FC236}">
-                <a16:creationId xmlns:a16="http://schemas.microsoft.com/office/drawing/2014/main" id="{E8EB7F94-9E4C-B9FF-8A6E-5B33C4382E3F}"/>
-              </a:ext>
-            </a:extLst>
-          </p:cNvPr>
-          <p:cNvPicPr>
-            <a:picLocks noChangeAspect="1"/>
-          </p:cNvPicPr>
-          <p:nvPr/>
-        </p:nvPicPr>
-        <p:blipFill>
-          <a:blip r:embed="rId2">
-            <a:extLst>
-              <a:ext uri="{28A0092B-C50C-407E-A947-70E740481C1C}">
-                <a14:useLocalDpi xmlns:a14="http://schemas.microsoft.com/office/drawing/2010/main" val="0"/>
-              </a:ext>
-            </a:extLst>
-          </a:blip>
-          <a:srcRect b="4338"/>
-          <a:stretch/>
-        </p:blipFill>
-        <p:spPr>
-          <a:xfrm>
-            <a:off x="5126317" y="604571"/>
-            <a:ext cx="4199509" cy="5636817"/>
-          </a:xfrm>
-          <a:prstGeom prst="rect">
-            <a:avLst/>
-          </a:prstGeom>
-        </p:spPr>
-      </p:pic>
       <p:sp>
         <p:nvSpPr>
           <p:cNvPr id="6" name="テキスト プレースホルダー 3">
@@ -7439,24 +7464,11 @@
           </a:lstStyle>
           <a:p>
             <a:r>
-              <a:rPr lang="en-US" altLang="ja-JP" sz="1400" baseline="30000" dirty="0">
-                <a:latin typeface="+mj-lt"/>
-              </a:rPr>
-              <a:t>[9] </a:t>
-            </a:r>
-            <a:r>
               <a:rPr lang="en-US" altLang="ja-JP" sz="1400" dirty="0">
                 <a:latin typeface="+mj-lt"/>
                 <a:hlinkClick r:id="rId3"/>
               </a:rPr>
-              <a:t>https://ja.wikipedia.org/wiki/</a:t>
-            </a:r>
-            <a:r>
-              <a:rPr lang="ja-JP" altLang="en-US" sz="1400" dirty="0">
-                <a:latin typeface="+mj-lt"/>
-                <a:hlinkClick r:id="rId3"/>
-              </a:rPr>
-              <a:t>アイザック・ニュートン</a:t>
+              <a:t>commons.wikimedia.org/wiki/File:GodfreyKneller-IsaacNewton-1689.jpg</a:t>
             </a:r>
             <a:endParaRPr lang="en-US" altLang="ja-JP" sz="1400" dirty="0">
               <a:latin typeface="+mj-lt"/>
@@ -9261,6 +9273,53 @@
           <a:chExt cx="0" cy="0"/>
         </a:xfrm>
       </p:grpSpPr>
+      <p:pic>
+        <p:nvPicPr>
+          <p:cNvPr id="4" name="Picture 2">
+            <a:extLst>
+              <a:ext uri="{FF2B5EF4-FFF2-40B4-BE49-F238E27FC236}">
+                <a16:creationId xmlns:a16="http://schemas.microsoft.com/office/drawing/2014/main" id="{2F632757-B4F4-C7A1-18E4-FF980318B276}"/>
+              </a:ext>
+            </a:extLst>
+          </p:cNvPr>
+          <p:cNvPicPr>
+            <a:picLocks noChangeAspect="1" noChangeArrowheads="1"/>
+          </p:cNvPicPr>
+          <p:nvPr/>
+        </p:nvPicPr>
+        <p:blipFill rotWithShape="1">
+          <a:blip r:embed="rId2">
+            <a:extLst>
+              <a:ext uri="{28A0092B-C50C-407E-A947-70E740481C1C}">
+                <a14:useLocalDpi xmlns:a14="http://schemas.microsoft.com/office/drawing/2010/main" val="0"/>
+              </a:ext>
+            </a:extLst>
+          </a:blip>
+          <a:srcRect l="660" r="662"/>
+          <a:stretch>
+            <a:fillRect/>
+          </a:stretch>
+        </p:blipFill>
+        <p:spPr bwMode="auto">
+          <a:xfrm>
+            <a:off x="350385" y="567959"/>
+            <a:ext cx="4197597" cy="5624779"/>
+          </a:xfrm>
+          <a:prstGeom prst="rect">
+            <a:avLst/>
+          </a:prstGeom>
+          <a:noFill/>
+          <a:extLst>
+            <a:ext uri="{909E8E84-426E-40DD-AFC4-6F175D3DCCD1}">
+              <a14:hiddenFill xmlns:a14="http://schemas.microsoft.com/office/drawing/2010/main">
+                <a:solidFill>
+                  <a:srgbClr val="FFFFFF"/>
+                </a:solidFill>
+              </a14:hiddenFill>
+            </a:ext>
+          </a:extLst>
+        </p:spPr>
+      </p:pic>
       <p:sp>
         <p:nvSpPr>
           <p:cNvPr id="3" name="テキスト プレースホルダー 2">
@@ -9287,70 +9346,27 @@
           <a:lstStyle/>
           <a:p>
             <a:r>
-              <a:rPr lang="en-US" altLang="ja-JP" baseline="30000" dirty="0"/>
-              <a:t>[7] </a:t>
-            </a:r>
-            <a:r>
               <a:rPr lang="en-US" altLang="ja-JP" dirty="0">
-                <a:hlinkClick r:id="rId2"/>
+                <a:hlinkClick r:id="rId3"/>
               </a:rPr>
-              <a:t>https://ja.wikipedia.org/wiki/</a:t>
-            </a:r>
-            <a:r>
-              <a:rPr lang="ja-JP" altLang="en-US" dirty="0">
-                <a:hlinkClick r:id="rId2"/>
+              <a:t>commons.wikimedia.org/wiki/</a:t>
+            </a:r>
+            <a:r>
+              <a:rPr lang="en-US" altLang="ja-JP" dirty="0" err="1">
+                <a:hlinkClick r:id="rId3"/>
               </a:rPr>
-              <a:t>アルキメデス</a:t>
+              <a:t>File:Retrato_de_un_erudito</a:t>
+            </a:r>
+            <a:r>
+              <a:rPr lang="en-US" altLang="ja-JP" dirty="0">
+                <a:hlinkClick r:id="rId3"/>
+              </a:rPr>
+              <a:t>_(%C2%BFArqu%C3%ADmedes%3F),_por_Domenico_Fetti.jpg</a:t>
             </a:r>
             <a:endParaRPr lang="en-US" altLang="ja-JP" dirty="0"/>
           </a:p>
         </p:txBody>
       </p:sp>
-      <p:pic>
-        <p:nvPicPr>
-          <p:cNvPr id="8" name="Picture 2">
-            <a:extLst>
-              <a:ext uri="{FF2B5EF4-FFF2-40B4-BE49-F238E27FC236}">
-                <a16:creationId xmlns:a16="http://schemas.microsoft.com/office/drawing/2014/main" id="{42000B41-77D3-675C-1BA7-71209EB5661E}"/>
-              </a:ext>
-            </a:extLst>
-          </p:cNvPr>
-          <p:cNvPicPr>
-            <a:picLocks noChangeAspect="1" noChangeArrowheads="1"/>
-          </p:cNvPicPr>
-          <p:nvPr/>
-        </p:nvPicPr>
-        <p:blipFill rotWithShape="1">
-          <a:blip r:embed="rId3">
-            <a:extLst>
-              <a:ext uri="{28A0092B-C50C-407E-A947-70E740481C1C}">
-                <a14:useLocalDpi xmlns:a14="http://schemas.microsoft.com/office/drawing/2010/main" val="0"/>
-              </a:ext>
-            </a:extLst>
-          </a:blip>
-          <a:srcRect l="581" r="581"/>
-          <a:stretch/>
-        </p:blipFill>
-        <p:spPr bwMode="auto">
-          <a:xfrm>
-            <a:off x="350386" y="567960"/>
-            <a:ext cx="4197596" cy="5624779"/>
-          </a:xfrm>
-          <a:prstGeom prst="rect">
-            <a:avLst/>
-          </a:prstGeom>
-          <a:noFill/>
-          <a:extLst>
-            <a:ext uri="{909E8E84-426E-40DD-AFC4-6F175D3DCCD1}">
-              <a14:hiddenFill xmlns:a14="http://schemas.microsoft.com/office/drawing/2010/main">
-                <a:solidFill>
-                  <a:srgbClr val="FFFFFF"/>
-                </a:solidFill>
-              </a14:hiddenFill>
-            </a:ext>
-          </a:extLst>
-        </p:spPr>
-      </p:pic>
       <p:sp>
         <p:nvSpPr>
           <p:cNvPr id="11" name="吹き出し: 角を丸めた四角形 10">
@@ -9794,7 +9810,7 @@
           <a:p>
             <a:r>
               <a:rPr lang="en-US" altLang="ja-JP" baseline="30000" dirty="0"/>
-              <a:t>[8] </a:t>
+              <a:t>[1] </a:t>
             </a:r>
             <a:r>
               <a:rPr lang="en-US" altLang="ja-JP" dirty="0">
@@ -11298,7 +11314,7 @@
               <a:rPr lang="en-US" altLang="ja-JP" dirty="0">
                 <a:hlinkClick r:id="rId3"/>
               </a:rPr>
-              <a:t>https://www.irasutoya.com</a:t>
+              <a:t>www.irasutoya.com</a:t>
             </a:r>
             <a:endParaRPr lang="ja-JP" altLang="en-US" dirty="0"/>
           </a:p>
@@ -16400,11 +16416,12 @@
 </file>
 
 <file path=customXml/item1.xml><?xml version="1.0" encoding="utf-8"?>
-<p:properties xmlns:p="http://schemas.microsoft.com/office/2006/metadata/properties" xmlns:xsi="http://www.w3.org/2001/XMLSchema-instance" xmlns:pc="http://schemas.microsoft.com/office/infopath/2007/PartnerControls">
-  <documentManagement>
-    <_activity xmlns="4952ab04-0ae3-4d00-bda6-702fdc5fffab" xsi:nil="true"/>
-  </documentManagement>
-</p:properties>
+<?mso-contentType ?>
+<FormTemplates xmlns="http://schemas.microsoft.com/sharepoint/v3/contenttype/forms">
+  <Display>DocumentLibraryForm</Display>
+  <Edit>DocumentLibraryForm</Edit>
+  <New>DocumentLibraryForm</New>
+</FormTemplates>
 </file>
 
 <file path=customXml/item2.xml><?xml version="1.0" encoding="utf-8"?>
@@ -16635,27 +16652,17 @@
 </file>
 
 <file path=customXml/item3.xml><?xml version="1.0" encoding="utf-8"?>
-<?mso-contentType ?>
-<FormTemplates xmlns="http://schemas.microsoft.com/sharepoint/v3/contenttype/forms">
-  <Display>DocumentLibraryForm</Display>
-  <Edit>DocumentLibraryForm</Edit>
-  <New>DocumentLibraryForm</New>
-</FormTemplates>
+<p:properties xmlns:p="http://schemas.microsoft.com/office/2006/metadata/properties" xmlns:xsi="http://www.w3.org/2001/XMLSchema-instance" xmlns:pc="http://schemas.microsoft.com/office/infopath/2007/PartnerControls">
+  <documentManagement>
+    <_activity xmlns="4952ab04-0ae3-4d00-bda6-702fdc5fffab" xsi:nil="true"/>
+  </documentManagement>
+</p:properties>
 </file>
 
 <file path=customXml/itemProps1.xml><?xml version="1.0" encoding="utf-8"?>
-<ds:datastoreItem xmlns:ds="http://schemas.openxmlformats.org/officeDocument/2006/customXml" ds:itemID="{F5BCF84E-3EFE-4EC9-AB6C-7D53083CF2F0}">
+<ds:datastoreItem xmlns:ds="http://schemas.openxmlformats.org/officeDocument/2006/customXml" ds:itemID="{E556F4D6-31A5-4692-BD03-E6D6534FF51F}">
   <ds:schemaRefs>
-    <ds:schemaRef ds:uri="4952ab04-0ae3-4d00-bda6-702fdc5fffab"/>
-    <ds:schemaRef ds:uri="http://schemas.microsoft.com/office/2006/metadata/properties"/>
-    <ds:schemaRef ds:uri="http://schemas.microsoft.com/office/2006/documentManagement/types"/>
-    <ds:schemaRef ds:uri="http://www.w3.org/XML/1998/namespace"/>
-    <ds:schemaRef ds:uri="http://purl.org/dc/terms/"/>
-    <ds:schemaRef ds:uri="http://purl.org/dc/elements/1.1/"/>
-    <ds:schemaRef ds:uri="a9997899-e6ea-448c-9370-6665c1cb1ca9"/>
-    <ds:schemaRef ds:uri="http://purl.org/dc/dcmitype/"/>
-    <ds:schemaRef ds:uri="http://schemas.microsoft.com/office/infopath/2007/PartnerControls"/>
-    <ds:schemaRef ds:uri="http://schemas.openxmlformats.org/package/2006/metadata/core-properties"/>
+    <ds:schemaRef ds:uri="http://schemas.microsoft.com/sharepoint/v3/contenttype/forms"/>
   </ds:schemaRefs>
 </ds:datastoreItem>
 </file>
@@ -16681,9 +16688,18 @@
 </file>
 
 <file path=customXml/itemProps3.xml><?xml version="1.0" encoding="utf-8"?>
-<ds:datastoreItem xmlns:ds="http://schemas.openxmlformats.org/officeDocument/2006/customXml" ds:itemID="{E556F4D6-31A5-4692-BD03-E6D6534FF51F}">
+<ds:datastoreItem xmlns:ds="http://schemas.openxmlformats.org/officeDocument/2006/customXml" ds:itemID="{F5BCF84E-3EFE-4EC9-AB6C-7D53083CF2F0}">
   <ds:schemaRefs>
-    <ds:schemaRef ds:uri="http://schemas.microsoft.com/sharepoint/v3/contenttype/forms"/>
+    <ds:schemaRef ds:uri="4952ab04-0ae3-4d00-bda6-702fdc5fffab"/>
+    <ds:schemaRef ds:uri="http://schemas.microsoft.com/office/2006/metadata/properties"/>
+    <ds:schemaRef ds:uri="http://schemas.microsoft.com/office/2006/documentManagement/types"/>
+    <ds:schemaRef ds:uri="http://www.w3.org/XML/1998/namespace"/>
+    <ds:schemaRef ds:uri="http://purl.org/dc/terms/"/>
+    <ds:schemaRef ds:uri="http://purl.org/dc/elements/1.1/"/>
+    <ds:schemaRef ds:uri="a9997899-e6ea-448c-9370-6665c1cb1ca9"/>
+    <ds:schemaRef ds:uri="http://purl.org/dc/dcmitype/"/>
+    <ds:schemaRef ds:uri="http://schemas.microsoft.com/office/infopath/2007/PartnerControls"/>
+    <ds:schemaRef ds:uri="http://schemas.openxmlformats.org/package/2006/metadata/core-properties"/>
   </ds:schemaRefs>
 </ds:datastoreItem>
 </file>